--- a/ВКР/ИУ5_44м_Журавлев_Н_В_Презентация.pptx
+++ b/ВКР/ИУ5_44м_Журавлев_Н_В_Презентация.pptx
@@ -1841,11 +1841,11 @@
               </a:spcBef>
             </a:pPr>
             <a:r>
-              <a:rPr lang="en-US" sz="800" dirty="0" err="1">
-                <a:latin typeface="Times New Roman" panose="02020603050405020304" pitchFamily="18" charset="0"/>
-                <a:cs typeface="Times New Roman" panose="02020603050405020304" pitchFamily="18" charset="0"/>
-              </a:rPr>
-              <a:t>C</a:t>
+              <a:rPr lang="ru-RU" sz="800" dirty="0">
+                <a:latin typeface="Times New Roman" panose="02020603050405020304" pitchFamily="18" charset="0"/>
+                <a:cs typeface="Times New Roman" panose="02020603050405020304" pitchFamily="18" charset="0"/>
+              </a:rPr>
+              <a:t>С</a:t>
             </a:r>
             <a:r>
               <a:rPr sz="800" dirty="0" err="1">
@@ -1855,25 +1855,18 @@
               <a:t>тудент</a:t>
             </a:r>
             <a:r>
-              <a:rPr lang="en-US" sz="800">
+              <a:rPr lang="en-US" sz="800" dirty="0">
                 <a:latin typeface="Times New Roman" panose="02020603050405020304" pitchFamily="18" charset="0"/>
                 <a:cs typeface="Times New Roman" panose="02020603050405020304" pitchFamily="18" charset="0"/>
               </a:rPr>
               <a:t>:</a:t>
             </a:r>
             <a:r>
-              <a:rPr sz="800">
-                <a:latin typeface="Times New Roman" panose="02020603050405020304" pitchFamily="18" charset="0"/>
-                <a:cs typeface="Times New Roman" panose="02020603050405020304" pitchFamily="18" charset="0"/>
-              </a:rPr>
-              <a:t> </a:t>
-            </a:r>
-            <a:r>
               <a:rPr sz="800" dirty="0">
                 <a:latin typeface="Times New Roman" panose="02020603050405020304" pitchFamily="18" charset="0"/>
                 <a:cs typeface="Times New Roman" panose="02020603050405020304" pitchFamily="18" charset="0"/>
               </a:rPr>
-              <a:t>Журавлев Николай Вадимович</a:t>
+              <a:t> Журавлев Николай Вадимович</a:t>
             </a:r>
           </a:p>
           <a:p>
